--- a/files/2022_API_102a_Section_02_answers_excerpt.pptx
+++ b/files/2022_API_102a_Section_02_answers_excerpt.pptx
@@ -243,7 +243,7 @@
           <a:p>
             <a:fld id="{A299E826-3081-5D44-BEB6-7BF33BBC74DC}" type="datetimeFigureOut">
               <a:rPr lang="en-US" smtClean="0"/>
-              <a:t>2/19/2023</a:t>
+              <a:t>3/13/2023</a:t>
             </a:fld>
             <a:endParaRPr lang="en-US"/>
           </a:p>
@@ -12118,8 +12118,8 @@
           </a:p>
         </p:txBody>
       </p:sp>
-      <mc:AlternateContent xmlns:mc="http://schemas.openxmlformats.org/markup-compatibility/2006" xmlns:a14="http://schemas.microsoft.com/office/drawing/2010/main">
-        <mc:Choice Requires="a14">
+      <mc:AlternateContent xmlns:mc="http://schemas.openxmlformats.org/markup-compatibility/2006">
+        <mc:Choice xmlns:a14="http://schemas.microsoft.com/office/drawing/2010/main" Requires="a14">
           <p:sp>
             <p:nvSpPr>
               <p:cNvPr id="3" name="Content Placeholder 2">
@@ -12644,6 +12644,9 @@
                 </a:r>
               </a:p>
               <a:p>
+                <a:endParaRPr lang="en-US" sz="3600" dirty="0"/>
+              </a:p>
+              <a:p>
                 <a:r>
                   <a:rPr lang="en-US" sz="3600" dirty="0"/>
                   <a:t>Elasticity of taxable income answers:</a:t>
@@ -12655,6 +12658,10 @@
                   <a:rPr lang="en-US" sz="3200" i="1" dirty="0"/>
                   <a:t>How much does taxable income respond to changes in the net of tax share, 1 – t?</a:t>
                 </a:r>
+              </a:p>
+              <a:p>
+                <a:pPr lvl="1"/>
+                <a:endParaRPr lang="en-US" sz="3200" i="1" dirty="0"/>
               </a:p>
               <a:p>
                 <a:r>
@@ -12669,14 +12676,14 @@
                   <a:t>People are responding to their </a:t>
                 </a:r>
                 <a:r>
-                  <a:rPr lang="en-US" sz="3200" i="1"/>
+                  <a:rPr lang="en-US" sz="3200" i="1" dirty="0"/>
                   <a:t>take-home pay</a:t>
                 </a:r>
               </a:p>
             </p:txBody>
           </p:sp>
         </mc:Choice>
-        <mc:Fallback xmlns="">
+        <mc:Fallback>
           <p:sp>
             <p:nvSpPr>
               <p:cNvPr id="3" name="Content Placeholder 2">
@@ -12778,8 +12785,8 @@
           </a:p>
         </p:txBody>
       </p:sp>
-      <mc:AlternateContent xmlns:mc="http://schemas.openxmlformats.org/markup-compatibility/2006" xmlns:a14="http://schemas.microsoft.com/office/drawing/2010/main">
-        <mc:Choice Requires="a14">
+      <mc:AlternateContent xmlns:mc="http://schemas.openxmlformats.org/markup-compatibility/2006">
+        <mc:Choice xmlns:a14="http://schemas.microsoft.com/office/drawing/2010/main" Requires="a14">
           <p:sp>
             <p:nvSpPr>
               <p:cNvPr id="3" name="Content Placeholder 2">
@@ -12806,7 +12813,7 @@
                   <a:buAutoNum type="arabicPeriod"/>
                 </a:pPr>
                 <a:r>
-                  <a:rPr lang="en-US"/>
+                  <a:rPr lang="en-US" dirty="0"/>
                   <a:t>Plug in what you know: </a:t>
                 </a:r>
               </a:p>
@@ -12852,7 +12859,7 @@
                   </m:oMath>
                 </a14:m>
                 <a:r>
-                  <a:rPr lang="en-US"/>
+                  <a:rPr lang="en-US" dirty="0"/>
                   <a:t> </a:t>
                 </a:r>
                 <a14:m>
@@ -13026,7 +13033,7 @@
                   </m:oMath>
                 </a14:m>
                 <a:r>
-                  <a:rPr lang="en-US">
+                  <a:rPr lang="en-US" dirty="0">
                     <a:ea typeface="Cambria Math"/>
                   </a:rPr>
                   <a:t> </a:t>
@@ -13120,7 +13127,7 @@
                   </m:oMath>
                 </a14:m>
                 <a:r>
-                  <a:rPr lang="en-US"/>
+                  <a:rPr lang="en-US" dirty="0"/>
                   <a:t> </a:t>
                 </a:r>
               </a:p>
@@ -13129,8 +13136,15 @@
                   <a:buFont typeface="+mj-lt"/>
                   <a:buAutoNum type="arabicPeriod" startAt="2"/>
                 </a:pPr>
+                <a:endParaRPr lang="en-US" dirty="0"/>
+              </a:p>
+              <a:p>
+                <a:pPr marL="514350" indent="-514350">
+                  <a:buFont typeface="+mj-lt"/>
+                  <a:buAutoNum type="arabicPeriod" startAt="2"/>
+                </a:pPr>
                 <a:r>
-                  <a:rPr lang="en-US"/>
+                  <a:rPr lang="en-US" dirty="0"/>
                   <a:t>Solve for what you want (usually </a:t>
                 </a:r>
                 <a14:m>
@@ -13166,7 +13180,7 @@
                   </m:oMath>
                 </a14:m>
                 <a:r>
-                  <a:rPr lang="en-US"/>
+                  <a:rPr lang="en-US" dirty="0"/>
                   <a:t>)</a:t>
                 </a:r>
               </a:p>
@@ -13175,30 +13189,48 @@
                   <a:buFont typeface="+mj-lt"/>
                   <a:buAutoNum type="arabicPeriod" startAt="2"/>
                 </a:pPr>
+                <a:endParaRPr lang="en-US" sz="2800" dirty="0">
+                  <a:solidFill>
+                    <a:schemeClr val="tx1"/>
+                  </a:solidFill>
+                </a:endParaRPr>
+              </a:p>
+              <a:p>
+                <a:pPr marL="514350" indent="-514350">
+                  <a:buFont typeface="+mj-lt"/>
+                  <a:buAutoNum type="arabicPeriod" startAt="2"/>
+                </a:pPr>
+                <a:endParaRPr lang="en-US" dirty="0"/>
+              </a:p>
+              <a:p>
+                <a:pPr marL="514350" indent="-514350">
+                  <a:buFont typeface="+mj-lt"/>
+                  <a:buAutoNum type="arabicPeriod" startAt="2"/>
+                </a:pPr>
                 <a:r>
-                  <a:rPr lang="en-US" sz="2800">
+                  <a:rPr lang="en-US" sz="2800" dirty="0">
                     <a:solidFill>
                       <a:schemeClr val="tx1"/>
                     </a:solidFill>
                   </a:rPr>
                   <a:t>Find new tax revenue by applying the new tax system to the new taxable income.</a:t>
                 </a:r>
-                <a:endParaRPr lang="en-US">
+                <a:endParaRPr lang="en-US" dirty="0">
                   <a:solidFill>
                     <a:schemeClr val="tx1"/>
                   </a:solidFill>
                 </a:endParaRPr>
               </a:p>
               <a:p>
-                <a:endParaRPr lang="en-US"/>
+                <a:endParaRPr lang="en-US" dirty="0"/>
               </a:p>
               <a:p>
-                <a:endParaRPr lang="en-US"/>
+                <a:endParaRPr lang="en-US" dirty="0"/>
               </a:p>
             </p:txBody>
           </p:sp>
         </mc:Choice>
-        <mc:Fallback xmlns="">
+        <mc:Fallback>
           <p:sp>
             <p:nvSpPr>
               <p:cNvPr id="3" name="Content Placeholder 2">
@@ -13398,7 +13430,7 @@
         <p:spPr/>
         <p:txBody>
           <a:bodyPr>
-            <a:normAutofit/>
+            <a:normAutofit lnSpcReduction="10000"/>
           </a:bodyPr>
           <a:lstStyle/>
           <a:p>
@@ -13423,6 +13455,9 @@
             </a:r>
           </a:p>
           <a:p>
+            <a:endParaRPr lang="en-US" dirty="0"/>
+          </a:p>
+          <a:p>
             <a:r>
               <a:rPr lang="en-US" dirty="0"/>
               <a:t>There is no “ideal” notion of equity, and so no “ideal” social welfare weights</a:t>
@@ -13434,6 +13469,9 @@
               <a:rPr lang="en-US" dirty="0"/>
               <a:t>Which weights society should be used are determined by moral values, philosophy</a:t>
             </a:r>
+          </a:p>
+          <a:p>
+            <a:endParaRPr lang="en-US" dirty="0"/>
           </a:p>
           <a:p>
             <a:r>
@@ -13854,6 +13892,15 @@
             </a:r>
           </a:p>
           <a:p>
+            <a:endParaRPr lang="en-US" dirty="0"/>
+          </a:p>
+          <a:p>
+            <a:endParaRPr lang="en-US" dirty="0"/>
+          </a:p>
+          <a:p>
+            <a:endParaRPr lang="en-US" dirty="0"/>
+          </a:p>
+          <a:p>
             <a:r>
               <a:rPr lang="en-US" dirty="0"/>
               <a:t>Political philosophy has something to say about moral questions surrounding tax policy, redistribution, etc.</a:t>
@@ -14042,12 +14089,24 @@
             </a:r>
           </a:p>
           <a:p>
+            <a:endParaRPr lang="en-US" dirty="0"/>
+          </a:p>
+          <a:p>
+            <a:endParaRPr lang="en-US" dirty="0"/>
+          </a:p>
+          <a:p>
             <a:r>
               <a:rPr lang="en-US" dirty="0"/>
               <a:t>A: People work less, effect is immediate, small &amp; quite stable </a:t>
             </a:r>
           </a:p>
           <a:p>
+            <a:endParaRPr lang="en-US" dirty="0"/>
+          </a:p>
+          <a:p>
+            <a:pPr marL="0" indent="0">
+              <a:buNone/>
+            </a:pPr>
             <a:r>
               <a:rPr lang="en-US" dirty="0"/>
               <a:t>(</a:t>
@@ -14138,7 +14197,7 @@
                                         <p:tgtEl>
                                           <p:spTgt spid="3">
                                             <p:txEl>
-                                              <p:pRg st="1" end="1"/>
+                                              <p:pRg st="3" end="3"/>
                                             </p:txEl>
                                           </p:spTgt>
                                         </p:tgtEl>
@@ -14169,7 +14228,7 @@
                                         <p:tgtEl>
                                           <p:spTgt spid="3">
                                             <p:txEl>
-                                              <p:pRg st="2" end="2"/>
+                                              <p:pRg st="5" end="5"/>
                                             </p:txEl>
                                           </p:spTgt>
                                         </p:tgtEl>
@@ -14418,7 +14477,7 @@
         <p:spPr/>
         <p:txBody>
           <a:bodyPr>
-            <a:normAutofit/>
+            <a:normAutofit fontScale="92500"/>
           </a:bodyPr>
           <a:lstStyle/>
           <a:p>
@@ -14428,12 +14487,18 @@
             </a:r>
           </a:p>
           <a:p>
+            <a:endParaRPr lang="en-US" dirty="0"/>
+          </a:p>
+          <a:p>
             <a:r>
               <a:rPr lang="en-US" dirty="0"/>
               <a:t>Exactly equal sharing within Kibbutz</a:t>
             </a:r>
           </a:p>
           <a:p>
+            <a:endParaRPr lang="en-US" dirty="0"/>
+          </a:p>
+          <a:p>
             <a:r>
               <a:rPr lang="en-US" dirty="0"/>
               <a:t>How to incentivize effort: social sanctions on shirkers </a:t>
@@ -14445,6 +14510,10 @@
               <a:rPr lang="en-US" dirty="0"/>
               <a:t>Shirkers are observable in these small communities with limited privacy </a:t>
             </a:r>
+          </a:p>
+          <a:p>
+            <a:pPr lvl="1"/>
+            <a:endParaRPr lang="en-US" dirty="0"/>
           </a:p>
           <a:p>
             <a:r>
@@ -14560,6 +14629,9 @@
             </a:r>
           </a:p>
           <a:p>
+            <a:endParaRPr lang="en-US" b="1" dirty="0"/>
+          </a:p>
+          <a:p>
             <a:r>
               <a:rPr lang="en-US" dirty="0"/>
               <a:t>Small effects on high school student performance: </a:t>
@@ -14585,6 +14657,9 @@
               <a:rPr lang="en-US" dirty="0"/>
               <a:t>3.6 more points on their exams, on average</a:t>
             </a:r>
+          </a:p>
+          <a:p>
+            <a:endParaRPr lang="en-US" dirty="0"/>
           </a:p>
           <a:p>
             <a:r>
@@ -14915,10 +14990,16 @@
             </a:r>
           </a:p>
           <a:p>
+            <a:endParaRPr lang="en-US" dirty="0"/>
+          </a:p>
+          <a:p>
             <a:r>
               <a:rPr lang="en-US" dirty="0"/>
               <a:t>(Top) tax rates differ across countries</a:t>
             </a:r>
+          </a:p>
+          <a:p>
+            <a:endParaRPr lang="en-US" i="1" dirty="0"/>
           </a:p>
           <a:p>
             <a:r>
@@ -16614,7 +16695,9 @@
         </p:nvSpPr>
         <p:spPr/>
         <p:txBody>
-          <a:bodyPr/>
+          <a:bodyPr>
+            <a:normAutofit lnSpcReduction="10000"/>
+          </a:bodyPr>
           <a:lstStyle/>
           <a:p>
             <a:r>
@@ -16623,6 +16706,9 @@
             </a:r>
           </a:p>
           <a:p>
+            <a:endParaRPr lang="en-US" dirty="0"/>
+          </a:p>
+          <a:p>
             <a:r>
               <a:rPr lang="en-US" dirty="0"/>
               <a:t>It’s a theoretical concept: we don’t know exactly where it is </a:t>
@@ -16634,6 +16720,9 @@
               <a:rPr lang="en-US" dirty="0"/>
               <a:t>But, empirical studies tell us which side of the peak we are on</a:t>
             </a:r>
+          </a:p>
+          <a:p>
+            <a:endParaRPr lang="en-US" dirty="0"/>
           </a:p>
           <a:p>
             <a:r>
@@ -16892,7 +16981,7 @@
           <a:p>
             <a:r>
               <a:rPr lang="en-US" dirty="0"/>
-              <a:t>Sometimes referred to as “fiscal externality” </a:t>
+              <a:t>A kind of “fiscal externality” </a:t>
             </a:r>
           </a:p>
         </p:txBody>
@@ -18045,8 +18134,8 @@
           </a:p>
         </p:txBody>
       </p:sp>
-      <mc:AlternateContent xmlns:mc="http://schemas.openxmlformats.org/markup-compatibility/2006" xmlns:a14="http://schemas.microsoft.com/office/drawing/2010/main">
-        <mc:Choice Requires="a14">
+      <mc:AlternateContent xmlns:mc="http://schemas.openxmlformats.org/markup-compatibility/2006">
+        <mc:Choice xmlns:a14="http://schemas.microsoft.com/office/drawing/2010/main" Requires="a14">
           <p:sp>
             <p:nvSpPr>
               <p:cNvPr id="3" name="Content Placeholder 2"/>
@@ -18075,6 +18164,9 @@
                 </a:r>
               </a:p>
               <a:p>
+                <a:endParaRPr lang="en-US" dirty="0"/>
+              </a:p>
+              <a:p>
                 <a:pPr lvl="1"/>
                 <a:r>
                   <a:rPr lang="en-US" b="1" dirty="0"/>
@@ -18095,10 +18187,18 @@
               </a:p>
               <a:p>
                 <a:pPr lvl="1"/>
+                <a:endParaRPr lang="en-US" dirty="0"/>
+              </a:p>
+              <a:p>
+                <a:pPr lvl="1"/>
                 <a:r>
                   <a:rPr lang="en-US" dirty="0"/>
                   <a:t>Measure of “sensitivity”</a:t>
                 </a:r>
+              </a:p>
+              <a:p>
+                <a:pPr lvl="1"/>
+                <a:endParaRPr lang="en-US" dirty="0"/>
               </a:p>
               <a:p>
                 <a:r>
@@ -18558,11 +18658,11 @@
                   </m:oMath>
                 </a14:m>
                 <a:r>
-                  <a:rPr lang="en-US"/>
+                  <a:rPr lang="en-US" dirty="0"/>
                   <a:t> =</a:t>
                 </a:r>
                 <a:r>
-                  <a:rPr lang="bg-BG">
+                  <a:rPr lang="bg-BG" dirty="0">
                     <a:ea typeface="Cambria Math" charset="0"/>
                     <a:cs typeface="Cambria Math" charset="0"/>
                   </a:rPr>
@@ -18714,7 +18814,7 @@
                   </m:oMath>
                 </a14:m>
                 <a:r>
-                  <a:rPr lang="en-US"/>
+                  <a:rPr lang="en-US" dirty="0"/>
                   <a:t> </a:t>
                 </a:r>
                 <a14:m>
@@ -18793,15 +18893,14 @@
                   </m:oMath>
                 </a14:m>
                 <a:r>
-                  <a:rPr lang="en-US"/>
+                  <a:rPr lang="en-US" dirty="0"/>
                   <a:t> </a:t>
                 </a:r>
-                <a:endParaRPr lang="en-US" dirty="0"/>
               </a:p>
             </p:txBody>
           </p:sp>
         </mc:Choice>
-        <mc:Fallback xmlns="">
+        <mc:Fallback>
           <p:sp>
             <p:nvSpPr>
               <p:cNvPr id="3" name="Content Placeholder 2"/>
@@ -18891,8 +18990,8 @@
           </a:p>
         </p:txBody>
       </p:sp>
-      <mc:AlternateContent xmlns:mc="http://schemas.openxmlformats.org/markup-compatibility/2006" xmlns:a14="http://schemas.microsoft.com/office/drawing/2010/main">
-        <mc:Choice Requires="a14">
+      <mc:AlternateContent xmlns:mc="http://schemas.openxmlformats.org/markup-compatibility/2006">
+        <mc:Choice xmlns:a14="http://schemas.microsoft.com/office/drawing/2010/main" Requires="a14">
           <p:sp>
             <p:nvSpPr>
               <p:cNvPr id="3" name="Content Placeholder 2"/>
@@ -18916,56 +19015,67 @@
               <a:lstStyle/>
               <a:p>
                 <a:r>
-                  <a:rPr lang="en-US"/>
+                  <a:rPr lang="en-US" dirty="0"/>
                   <a:t>Terminology: “Elasticity of X (</a:t>
                 </a:r>
                 <a:r>
-                  <a:rPr lang="en-US" i="1"/>
+                  <a:rPr lang="en-US" i="1" dirty="0"/>
                   <a:t>with respect to </a:t>
                 </a:r>
                 <a:r>
-                  <a:rPr lang="en-US"/>
+                  <a:rPr lang="en-US" dirty="0"/>
                   <a:t>Y)”</a:t>
                 </a:r>
               </a:p>
               <a:p>
+                <a:endParaRPr lang="en-US" dirty="0"/>
+              </a:p>
+              <a:p>
                 <a:pPr lvl="1"/>
                 <a:r>
-                  <a:rPr lang="en-US"/>
+                  <a:rPr lang="en-US" dirty="0"/>
                   <a:t>X is the numerator</a:t>
                 </a:r>
               </a:p>
               <a:p>
                 <a:pPr lvl="1"/>
+                <a:endParaRPr lang="en-US" dirty="0"/>
+              </a:p>
+              <a:p>
+                <a:pPr lvl="1"/>
                 <a:r>
-                  <a:rPr lang="en-US"/>
+                  <a:rPr lang="en-US" dirty="0"/>
                   <a:t>Y is the denominator </a:t>
                 </a:r>
               </a:p>
               <a:p>
                 <a:pPr lvl="2"/>
                 <a:r>
-                  <a:rPr lang="en-US"/>
+                  <a:rPr lang="en-US" dirty="0"/>
                   <a:t>Usually a price or tax rate</a:t>
                 </a:r>
               </a:p>
               <a:p>
                 <a:pPr lvl="2"/>
                 <a:r>
-                  <a:rPr lang="en-US"/>
+                  <a:rPr lang="en-US" dirty="0"/>
                   <a:t>Note: A wage is a price (of labor) </a:t>
                 </a:r>
               </a:p>
               <a:p>
                 <a:pPr lvl="2"/>
                 <a:r>
-                  <a:rPr lang="en-US"/>
+                  <a:rPr lang="en-US" dirty="0"/>
                   <a:t>“with respect to Y” is sometimes omitted for brevity</a:t>
                 </a:r>
               </a:p>
               <a:p>
+                <a:pPr lvl="2"/>
+                <a:endParaRPr lang="en-US" dirty="0"/>
+              </a:p>
+              <a:p>
                 <a:r>
-                  <a:rPr lang="en-US"/>
+                  <a:rPr lang="en-US" dirty="0"/>
                   <a:t> General formula:  </a:t>
                 </a:r>
               </a:p>
@@ -19307,7 +19417,7 @@
                   </m:oMath>
                 </a14:m>
                 <a:r>
-                  <a:rPr lang="en-US">
+                  <a:rPr lang="en-US" dirty="0">
                     <a:ea typeface="Cambria Math" charset="0"/>
                     <a:cs typeface="Cambria Math" charset="0"/>
                   </a:rPr>
@@ -19379,7 +19489,7 @@
                   </m:oMath>
                 </a14:m>
                 <a:r>
-                  <a:rPr lang="bg-BG">
+                  <a:rPr lang="bg-BG" dirty="0">
                     <a:ea typeface="Cambria Math" charset="0"/>
                     <a:cs typeface="Cambria Math" charset="0"/>
                   </a:rPr>
@@ -19421,11 +19531,11 @@
                   </m:oMath>
                 </a14:m>
                 <a:r>
-                  <a:rPr lang="en-US"/>
+                  <a:rPr lang="en-US" dirty="0"/>
                   <a:t> =</a:t>
                 </a:r>
                 <a:r>
-                  <a:rPr lang="bg-BG">
+                  <a:rPr lang="bg-BG" dirty="0">
                     <a:ea typeface="Cambria Math" charset="0"/>
                     <a:cs typeface="Cambria Math" charset="0"/>
                   </a:rPr>
@@ -19577,7 +19687,7 @@
                   </m:oMath>
                 </a14:m>
                 <a:r>
-                  <a:rPr lang="en-US"/>
+                  <a:rPr lang="en-US" dirty="0"/>
                   <a:t> </a:t>
                 </a:r>
                 <a14:m>
@@ -19656,14 +19766,14 @@
                   </m:oMath>
                 </a14:m>
                 <a:r>
-                  <a:rPr lang="en-US"/>
+                  <a:rPr lang="en-US" dirty="0"/>
                   <a:t> </a:t>
                 </a:r>
               </a:p>
             </p:txBody>
           </p:sp>
         </mc:Choice>
-        <mc:Fallback xmlns="">
+        <mc:Fallback>
           <p:sp>
             <p:nvSpPr>
               <p:cNvPr id="3" name="Content Placeholder 2"/>
@@ -19914,7 +20024,7 @@
         <p:spPr/>
         <p:txBody>
           <a:bodyPr vert="horz" lIns="91440" tIns="45720" rIns="91440" bIns="45720" rtlCol="0" anchor="t">
-            <a:normAutofit/>
+            <a:normAutofit lnSpcReduction="10000"/>
           </a:bodyPr>
           <a:lstStyle/>
           <a:p>
@@ -19990,6 +20100,9 @@
               <a:t>We might redistribute money to the poor or bailout large financial institutions</a:t>
             </a:r>
             <a:endParaRPr lang="en-US" dirty="0"/>
+          </a:p>
+          <a:p>
+            <a:endParaRPr lang="en-US" b="1" i="1" dirty="0"/>
           </a:p>
           <a:p>
             <a:r>
@@ -20093,7 +20206,7 @@
         </p:spPr>
         <p:txBody>
           <a:bodyPr>
-            <a:normAutofit/>
+            <a:normAutofit lnSpcReduction="10000"/>
           </a:bodyPr>
           <a:lstStyle/>
           <a:p>
@@ -20105,6 +20218,11 @@
             </a:r>
           </a:p>
           <a:p>
+            <a:endParaRPr lang="en-US" sz="3200" dirty="0">
+              <a:cs typeface="Calibri"/>
+            </a:endParaRPr>
+          </a:p>
+          <a:p>
             <a:r>
               <a:rPr lang="en-US" sz="3200" dirty="0">
                 <a:cs typeface="Calibri"/>
@@ -20113,17 +20231,16 @@
             </a:r>
           </a:p>
           <a:p>
-            <a:r>
-              <a:rPr lang="en-US" sz="3200" b="1" u="sng" dirty="0">
-                <a:cs typeface="Calibri"/>
-              </a:rPr>
-              <a:t>Correction</a:t>
-            </a:r>
+            <a:endParaRPr lang="en-US" sz="3200" dirty="0">
+              <a:cs typeface="Calibri"/>
+            </a:endParaRPr>
+          </a:p>
+          <a:p>
             <a:r>
               <a:rPr lang="en-US" sz="3200" dirty="0">
                 <a:cs typeface="Calibri"/>
               </a:rPr>
-              <a:t>: *revenue leakage* is a measure of this efficiency cost.</a:t>
+              <a:t>Revenue leakage is a measure of this efficiency cost.</a:t>
             </a:r>
           </a:p>
           <a:p>
